--- a/Documentation/presentation_3/presentation_3.pptx
+++ b/Documentation/presentation_3/presentation_3.pptx
@@ -5,10 +5,10 @@
     <p:sldMasterId id="2147483648" r:id="rId1"/>
   </p:sldMasterIdLst>
   <p:notesMasterIdLst>
-    <p:notesMasterId r:id="rId12"/>
+    <p:notesMasterId r:id="rId14"/>
   </p:notesMasterIdLst>
   <p:handoutMasterIdLst>
-    <p:handoutMasterId r:id="rId13"/>
+    <p:handoutMasterId r:id="rId15"/>
   </p:handoutMasterIdLst>
   <p:sldIdLst>
     <p:sldId id="256" r:id="rId2"/>
@@ -20,7 +20,9 @@
     <p:sldId id="273" r:id="rId8"/>
     <p:sldId id="270" r:id="rId9"/>
     <p:sldId id="271" r:id="rId10"/>
-    <p:sldId id="267" r:id="rId11"/>
+    <p:sldId id="274" r:id="rId11"/>
+    <p:sldId id="275" r:id="rId12"/>
+    <p:sldId id="267" r:id="rId13"/>
   </p:sldIdLst>
   <p:sldSz cx="12192000" cy="6858000"/>
   <p:notesSz cx="6858000" cy="9144000"/>
@@ -232,7 +234,7 @@
           <a:p>
             <a:fld id="{B57D25BE-7066-4747-8D12-5F33BDF7EEE2}" type="datetimeFigureOut">
               <a:rPr lang="fr-CH" smtClean="0"/>
-              <a:t>11.03.2020</a:t>
+              <a:t>25.03.2020</a:t>
             </a:fld>
             <a:endParaRPr lang="fr-CH"/>
           </a:p>
@@ -410,7 +412,7 @@
           <a:p>
             <a:fld id="{BC09551B-D16E-494B-A23B-AD471C24F415}" type="datetimeFigureOut">
               <a:rPr lang="fr-CH" smtClean="0"/>
-              <a:t>11.03.2020</a:t>
+              <a:t>25.03.2020</a:t>
             </a:fld>
             <a:endParaRPr lang="fr-CH"/>
           </a:p>
@@ -914,6 +916,128 @@
     <p:extLst>
       <p:ext uri="{BB962C8B-B14F-4D97-AF65-F5344CB8AC3E}">
         <p14:creationId xmlns:p14="http://schemas.microsoft.com/office/powerpoint/2010/main" val="1152101504"/>
+      </p:ext>
+    </p:extLst>
+  </p:cSld>
+  <p:clrMapOvr>
+    <a:masterClrMapping/>
+  </p:clrMapOvr>
+</p:notes>
+</file>
+
+<file path=ppt/notesSlides/notesSlide5.xml><?xml version="1.0" encoding="utf-8"?>
+<p:notes xmlns:a="http://schemas.openxmlformats.org/drawingml/2006/main" xmlns:r="http://schemas.openxmlformats.org/officeDocument/2006/relationships" xmlns:p="http://schemas.openxmlformats.org/presentationml/2006/main">
+  <p:cSld>
+    <p:spTree>
+      <p:nvGrpSpPr>
+        <p:cNvPr id="1" name=""/>
+        <p:cNvGrpSpPr/>
+        <p:nvPr/>
+      </p:nvGrpSpPr>
+      <p:grpSpPr>
+        <a:xfrm>
+          <a:off x="0" y="0"/>
+          <a:ext cx="0" cy="0"/>
+          <a:chOff x="0" y="0"/>
+          <a:chExt cx="0" cy="0"/>
+        </a:xfrm>
+      </p:grpSpPr>
+      <p:sp>
+        <p:nvSpPr>
+          <p:cNvPr id="2" name="Espace réservé de l'image des diapositives 1"/>
+          <p:cNvSpPr>
+            <a:spLocks noGrp="1" noRot="1" noChangeAspect="1"/>
+          </p:cNvSpPr>
+          <p:nvPr>
+            <p:ph type="sldImg"/>
+          </p:nvPr>
+        </p:nvSpPr>
+        <p:spPr/>
+      </p:sp>
+      <p:sp>
+        <p:nvSpPr>
+          <p:cNvPr id="3" name="Espace réservé des notes 2"/>
+          <p:cNvSpPr>
+            <a:spLocks noGrp="1"/>
+          </p:cNvSpPr>
+          <p:nvPr>
+            <p:ph type="body" idx="1"/>
+          </p:nvPr>
+        </p:nvSpPr>
+        <p:spPr/>
+        <p:txBody>
+          <a:bodyPr/>
+          <a:lstStyle/>
+          <a:p>
+            <a:endParaRPr lang="fr-CH" dirty="0"/>
+          </a:p>
+        </p:txBody>
+      </p:sp>
+    </p:spTree>
+    <p:extLst>
+      <p:ext uri="{BB962C8B-B14F-4D97-AF65-F5344CB8AC3E}">
+        <p14:creationId xmlns:p14="http://schemas.microsoft.com/office/powerpoint/2010/main" val="4111092574"/>
+      </p:ext>
+    </p:extLst>
+  </p:cSld>
+  <p:clrMapOvr>
+    <a:masterClrMapping/>
+  </p:clrMapOvr>
+</p:notes>
+</file>
+
+<file path=ppt/notesSlides/notesSlide6.xml><?xml version="1.0" encoding="utf-8"?>
+<p:notes xmlns:a="http://schemas.openxmlformats.org/drawingml/2006/main" xmlns:r="http://schemas.openxmlformats.org/officeDocument/2006/relationships" xmlns:p="http://schemas.openxmlformats.org/presentationml/2006/main">
+  <p:cSld>
+    <p:spTree>
+      <p:nvGrpSpPr>
+        <p:cNvPr id="1" name=""/>
+        <p:cNvGrpSpPr/>
+        <p:nvPr/>
+      </p:nvGrpSpPr>
+      <p:grpSpPr>
+        <a:xfrm>
+          <a:off x="0" y="0"/>
+          <a:ext cx="0" cy="0"/>
+          <a:chOff x="0" y="0"/>
+          <a:chExt cx="0" cy="0"/>
+        </a:xfrm>
+      </p:grpSpPr>
+      <p:sp>
+        <p:nvSpPr>
+          <p:cNvPr id="2" name="Espace réservé de l'image des diapositives 1"/>
+          <p:cNvSpPr>
+            <a:spLocks noGrp="1" noRot="1" noChangeAspect="1"/>
+          </p:cNvSpPr>
+          <p:nvPr>
+            <p:ph type="sldImg"/>
+          </p:nvPr>
+        </p:nvSpPr>
+        <p:spPr/>
+      </p:sp>
+      <p:sp>
+        <p:nvSpPr>
+          <p:cNvPr id="3" name="Espace réservé des notes 2"/>
+          <p:cNvSpPr>
+            <a:spLocks noGrp="1"/>
+          </p:cNvSpPr>
+          <p:nvPr>
+            <p:ph type="body" idx="1"/>
+          </p:nvPr>
+        </p:nvSpPr>
+        <p:spPr/>
+        <p:txBody>
+          <a:bodyPr/>
+          <a:lstStyle/>
+          <a:p>
+            <a:endParaRPr lang="fr-CH" dirty="0"/>
+          </a:p>
+        </p:txBody>
+      </p:sp>
+    </p:spTree>
+    <p:extLst>
+      <p:ext uri="{BB962C8B-B14F-4D97-AF65-F5344CB8AC3E}">
+        <p14:creationId xmlns:p14="http://schemas.microsoft.com/office/powerpoint/2010/main" val="1549218751"/>
       </p:ext>
     </p:extLst>
   </p:cSld>
@@ -4543,10 +4667,156 @@
       </p:grpSpPr>
       <p:sp>
         <p:nvSpPr>
-          <p:cNvPr id="11" name="Rectangle 10">
-            <a:extLst>
-              <a:ext uri="{FF2B5EF4-FFF2-40B4-BE49-F238E27FC236}">
-                <a16:creationId xmlns:a16="http://schemas.microsoft.com/office/drawing/2014/main" id="{0FB0B67E-0F3C-4C66-A7DE-6E4B0D5DAFCF}"/>
+          <p:cNvPr id="7" name="Titre 1">
+            <a:extLst>
+              <a:ext uri="{FF2B5EF4-FFF2-40B4-BE49-F238E27FC236}">
+                <a16:creationId xmlns:a16="http://schemas.microsoft.com/office/drawing/2014/main" id="{9491AEF2-77B5-42A6-9AA0-4E443745AE3C}"/>
+              </a:ext>
+            </a:extLst>
+          </p:cNvPr>
+          <p:cNvSpPr>
+            <a:spLocks noGrp="1"/>
+          </p:cNvSpPr>
+          <p:nvPr>
+            <p:ph type="title"/>
+          </p:nvPr>
+        </p:nvSpPr>
+        <p:spPr>
+          <a:xfrm>
+            <a:off x="838200" y="365125"/>
+            <a:ext cx="10515600" cy="1325563"/>
+          </a:xfrm>
+        </p:spPr>
+        <p:txBody>
+          <a:bodyPr/>
+          <a:lstStyle/>
+          <a:p>
+            <a:r>
+              <a:rPr lang="fr-CH" dirty="0">
+                <a:solidFill>
+                  <a:srgbClr val="267834"/>
+                </a:solidFill>
+                <a:latin typeface="Berlin Sans FB" panose="020E0602020502020306" pitchFamily="34" charset="0"/>
+              </a:rPr>
+              <a:t>Ce qui a été fait:</a:t>
+            </a:r>
+            <a:endParaRPr lang="fr-CH" dirty="0"/>
+          </a:p>
+        </p:txBody>
+      </p:sp>
+      <p:sp>
+        <p:nvSpPr>
+          <p:cNvPr id="4" name="ZoneTexte 3">
+            <a:extLst>
+              <a:ext uri="{FF2B5EF4-FFF2-40B4-BE49-F238E27FC236}">
+                <a16:creationId xmlns:a16="http://schemas.microsoft.com/office/drawing/2014/main" id="{11FE5E02-9C10-4363-92C0-10E3D9CF9FC7}"/>
+              </a:ext>
+            </a:extLst>
+          </p:cNvPr>
+          <p:cNvSpPr txBox="1"/>
+          <p:nvPr/>
+        </p:nvSpPr>
+        <p:spPr>
+          <a:xfrm>
+            <a:off x="612250" y="1773141"/>
+            <a:ext cx="10074303" cy="2542363"/>
+          </a:xfrm>
+          <a:prstGeom prst="rect">
+            <a:avLst/>
+          </a:prstGeom>
+          <a:noFill/>
+        </p:spPr>
+        <p:txBody>
+          <a:bodyPr wrap="square" rtlCol="0">
+            <a:spAutoFit/>
+          </a:bodyPr>
+          <a:lstStyle/>
+          <a:p>
+            <a:pPr marL="285750" indent="-285750">
+              <a:lnSpc>
+                <a:spcPct val="150000"/>
+              </a:lnSpc>
+              <a:buFont typeface="Wingdings" panose="05000000000000000000" pitchFamily="2" charset="2"/>
+              <a:buChar char="ü"/>
+            </a:pPr>
+            <a:r>
+              <a:rPr lang="fr-CH" dirty="0"/>
+              <a:t>Compréhension du code de Marvin et Patrick</a:t>
+            </a:r>
+          </a:p>
+          <a:p>
+            <a:pPr marL="285750" indent="-285750">
+              <a:lnSpc>
+                <a:spcPct val="150000"/>
+              </a:lnSpc>
+              <a:buFont typeface="Wingdings" panose="05000000000000000000" pitchFamily="2" charset="2"/>
+              <a:buChar char="ü"/>
+            </a:pPr>
+            <a:r>
+              <a:rPr lang="fr-CH" dirty="0"/>
+              <a:t>«Nettoyer leur projet»</a:t>
+            </a:r>
+          </a:p>
+          <a:p>
+            <a:pPr marL="285750" indent="-285750">
+              <a:lnSpc>
+                <a:spcPct val="150000"/>
+              </a:lnSpc>
+              <a:buFont typeface="Wingdings" panose="05000000000000000000" pitchFamily="2" charset="2"/>
+              <a:buChar char="ü"/>
+            </a:pPr>
+            <a:r>
+              <a:rPr lang="fr-CH" dirty="0"/>
+              <a:t>Test et correction de leur code</a:t>
+            </a:r>
+          </a:p>
+          <a:p>
+            <a:pPr marL="285750" indent="-285750">
+              <a:lnSpc>
+                <a:spcPct val="150000"/>
+              </a:lnSpc>
+              <a:buFont typeface="Wingdings" panose="05000000000000000000" pitchFamily="2" charset="2"/>
+              <a:buChar char="ü"/>
+            </a:pPr>
+            <a:r>
+              <a:rPr lang="fr-CH" dirty="0"/>
+              <a:t>Modification de l’interface (page d’accueil, mode libre et mode créateur)</a:t>
+            </a:r>
+          </a:p>
+          <a:p>
+            <a:pPr marL="285750" indent="-285750">
+              <a:lnSpc>
+                <a:spcPct val="150000"/>
+              </a:lnSpc>
+              <a:buFont typeface="Wingdings" panose="05000000000000000000" pitchFamily="2" charset="2"/>
+              <a:buChar char="ü"/>
+            </a:pPr>
+            <a:r>
+              <a:rPr lang="fr-CH" dirty="0"/>
+              <a:t>Ré-implémentation de la partie de création de plan de vol</a:t>
+            </a:r>
+          </a:p>
+          <a:p>
+            <a:pPr marL="285750" indent="-285750">
+              <a:lnSpc>
+                <a:spcPct val="150000"/>
+              </a:lnSpc>
+              <a:buFont typeface="Wingdings" panose="05000000000000000000" pitchFamily="2" charset="2"/>
+              <a:buChar char="ü"/>
+            </a:pPr>
+            <a:r>
+              <a:rPr lang="fr-CH" dirty="0"/>
+              <a:t>Début de l’implémentation du gestionnaire de plan de vol</a:t>
+            </a:r>
+          </a:p>
+        </p:txBody>
+      </p:sp>
+      <p:sp>
+        <p:nvSpPr>
+          <p:cNvPr id="19" name="Rectangle 18">
+            <a:extLst>
+              <a:ext uri="{FF2B5EF4-FFF2-40B4-BE49-F238E27FC236}">
+                <a16:creationId xmlns:a16="http://schemas.microsoft.com/office/drawing/2014/main" id="{8974B9CF-AD90-4F55-B728-269F175AEE1E}"/>
               </a:ext>
             </a:extLst>
           </p:cNvPr>
@@ -4556,7 +4826,7 @@
         <p:spPr>
           <a:xfrm>
             <a:off x="11493329" y="6173965"/>
-            <a:ext cx="301686" cy="369332"/>
+            <a:ext cx="418704" cy="369332"/>
           </a:xfrm>
           <a:prstGeom prst="rect">
             <a:avLst/>
@@ -4570,7 +4840,348 @@
           <a:p>
             <a:r>
               <a:rPr lang="fr-CH" dirty="0"/>
-              <a:t>9</a:t>
+              <a:t>10</a:t>
+            </a:r>
+          </a:p>
+        </p:txBody>
+      </p:sp>
+    </p:spTree>
+    <p:extLst>
+      <p:ext uri="{BB962C8B-B14F-4D97-AF65-F5344CB8AC3E}">
+        <p14:creationId xmlns:p14="http://schemas.microsoft.com/office/powerpoint/2010/main" val="1073068216"/>
+      </p:ext>
+    </p:extLst>
+  </p:cSld>
+  <p:clrMapOvr>
+    <a:masterClrMapping/>
+  </p:clrMapOvr>
+</p:sld>
+</file>
+
+<file path=ppt/slides/slide11.xml><?xml version="1.0" encoding="utf-8"?>
+<p:sld xmlns:a="http://schemas.openxmlformats.org/drawingml/2006/main" xmlns:r="http://schemas.openxmlformats.org/officeDocument/2006/relationships" xmlns:p="http://schemas.openxmlformats.org/presentationml/2006/main">
+  <p:cSld>
+    <p:spTree>
+      <p:nvGrpSpPr>
+        <p:cNvPr id="1" name=""/>
+        <p:cNvGrpSpPr/>
+        <p:nvPr/>
+      </p:nvGrpSpPr>
+      <p:grpSpPr>
+        <a:xfrm>
+          <a:off x="0" y="0"/>
+          <a:ext cx="0" cy="0"/>
+          <a:chOff x="0" y="0"/>
+          <a:chExt cx="0" cy="0"/>
+        </a:xfrm>
+      </p:grpSpPr>
+      <p:sp>
+        <p:nvSpPr>
+          <p:cNvPr id="7" name="Titre 1">
+            <a:extLst>
+              <a:ext uri="{FF2B5EF4-FFF2-40B4-BE49-F238E27FC236}">
+                <a16:creationId xmlns:a16="http://schemas.microsoft.com/office/drawing/2014/main" id="{9491AEF2-77B5-42A6-9AA0-4E443745AE3C}"/>
+              </a:ext>
+            </a:extLst>
+          </p:cNvPr>
+          <p:cNvSpPr>
+            <a:spLocks noGrp="1"/>
+          </p:cNvSpPr>
+          <p:nvPr>
+            <p:ph type="title"/>
+          </p:nvPr>
+        </p:nvSpPr>
+        <p:spPr>
+          <a:xfrm>
+            <a:off x="838200" y="365125"/>
+            <a:ext cx="10515600" cy="1325563"/>
+          </a:xfrm>
+        </p:spPr>
+        <p:txBody>
+          <a:bodyPr/>
+          <a:lstStyle/>
+          <a:p>
+            <a:r>
+              <a:rPr lang="fr-CH" dirty="0">
+                <a:solidFill>
+                  <a:srgbClr val="267834"/>
+                </a:solidFill>
+                <a:latin typeface="Berlin Sans FB" panose="020E0602020502020306" pitchFamily="34" charset="0"/>
+              </a:rPr>
+              <a:t>Ce qui reste à faire</a:t>
+            </a:r>
+            <a:endParaRPr lang="fr-CH" dirty="0"/>
+          </a:p>
+        </p:txBody>
+      </p:sp>
+      <p:sp>
+        <p:nvSpPr>
+          <p:cNvPr id="4" name="ZoneTexte 3">
+            <a:extLst>
+              <a:ext uri="{FF2B5EF4-FFF2-40B4-BE49-F238E27FC236}">
+                <a16:creationId xmlns:a16="http://schemas.microsoft.com/office/drawing/2014/main" id="{11FE5E02-9C10-4363-92C0-10E3D9CF9FC7}"/>
+              </a:ext>
+            </a:extLst>
+          </p:cNvPr>
+          <p:cNvSpPr txBox="1"/>
+          <p:nvPr/>
+        </p:nvSpPr>
+        <p:spPr>
+          <a:xfrm>
+            <a:off x="612250" y="1773141"/>
+            <a:ext cx="10074303" cy="4619854"/>
+          </a:xfrm>
+          <a:prstGeom prst="rect">
+            <a:avLst/>
+          </a:prstGeom>
+          <a:noFill/>
+        </p:spPr>
+        <p:txBody>
+          <a:bodyPr wrap="square" rtlCol="0">
+            <a:spAutoFit/>
+          </a:bodyPr>
+          <a:lstStyle/>
+          <a:p>
+            <a:pPr marL="285750" indent="-285750">
+              <a:lnSpc>
+                <a:spcPct val="150000"/>
+              </a:lnSpc>
+              <a:buFont typeface="Arial" panose="020B0604020202020204" pitchFamily="34" charset="0"/>
+              <a:buChar char="•"/>
+            </a:pPr>
+            <a:r>
+              <a:rPr lang="fr-CH" dirty="0"/>
+              <a:t>Mode libre:</a:t>
+            </a:r>
+          </a:p>
+          <a:p>
+            <a:pPr marL="742950" lvl="1" indent="-285750">
+              <a:lnSpc>
+                <a:spcPct val="150000"/>
+              </a:lnSpc>
+              <a:buFont typeface="Arial" panose="020B0604020202020204" pitchFamily="34" charset="0"/>
+              <a:buChar char="•"/>
+            </a:pPr>
+            <a:r>
+              <a:rPr lang="fr-CH" dirty="0"/>
+              <a:t>Ajouter la caméra</a:t>
+            </a:r>
+          </a:p>
+          <a:p>
+            <a:pPr marL="285750" indent="-285750">
+              <a:lnSpc>
+                <a:spcPct val="150000"/>
+              </a:lnSpc>
+              <a:buFont typeface="Arial" panose="020B0604020202020204" pitchFamily="34" charset="0"/>
+              <a:buChar char="•"/>
+            </a:pPr>
+            <a:r>
+              <a:rPr lang="fr-CH" dirty="0"/>
+              <a:t>Gestionnaire</a:t>
+            </a:r>
+          </a:p>
+          <a:p>
+            <a:pPr marL="742950" lvl="1" indent="-285750">
+              <a:lnSpc>
+                <a:spcPct val="150000"/>
+              </a:lnSpc>
+              <a:buFont typeface="Arial" panose="020B0604020202020204" pitchFamily="34" charset="0"/>
+              <a:buChar char="•"/>
+            </a:pPr>
+            <a:r>
+              <a:rPr lang="fr-CH" dirty="0"/>
+              <a:t>Lecture fichier et affichage des plans de vol</a:t>
+            </a:r>
+          </a:p>
+          <a:p>
+            <a:pPr marL="285750" indent="-285750">
+              <a:lnSpc>
+                <a:spcPct val="150000"/>
+              </a:lnSpc>
+              <a:buFont typeface="Arial" panose="020B0604020202020204" pitchFamily="34" charset="0"/>
+              <a:buChar char="•"/>
+            </a:pPr>
+            <a:r>
+              <a:rPr lang="fr-CH" dirty="0"/>
+              <a:t>Créateur</a:t>
+            </a:r>
+          </a:p>
+          <a:p>
+            <a:pPr marL="742950" lvl="1" indent="-285750">
+              <a:lnSpc>
+                <a:spcPct val="150000"/>
+              </a:lnSpc>
+              <a:buFont typeface="Arial" panose="020B0604020202020204" pitchFamily="34" charset="0"/>
+              <a:buChar char="•"/>
+            </a:pPr>
+            <a:r>
+              <a:rPr lang="fr-CH" dirty="0"/>
+              <a:t>Ajouter simulation </a:t>
+            </a:r>
+            <a:r>
+              <a:rPr lang="fr-CH" dirty="0" err="1"/>
+              <a:t>SceneKit</a:t>
+            </a:r>
+            <a:endParaRPr lang="fr-CH" dirty="0"/>
+          </a:p>
+          <a:p>
+            <a:pPr marL="742950" lvl="1" indent="-285750">
+              <a:lnSpc>
+                <a:spcPct val="150000"/>
+              </a:lnSpc>
+              <a:buFont typeface="Arial" panose="020B0604020202020204" pitchFamily="34" charset="0"/>
+              <a:buChar char="•"/>
+            </a:pPr>
+            <a:r>
+              <a:rPr lang="fr-CH" dirty="0"/>
+              <a:t>Ajout d’un bouton qui nous permettra au drone d’effectuer le plan de vol décider</a:t>
+            </a:r>
+          </a:p>
+          <a:p>
+            <a:pPr marL="285750" indent="-285750">
+              <a:lnSpc>
+                <a:spcPct val="150000"/>
+              </a:lnSpc>
+              <a:buFont typeface="Arial" panose="020B0604020202020204" pitchFamily="34" charset="0"/>
+              <a:buChar char="•"/>
+            </a:pPr>
+            <a:r>
+              <a:rPr lang="fr-CH" dirty="0"/>
+              <a:t>Autre</a:t>
+            </a:r>
+          </a:p>
+          <a:p>
+            <a:pPr marL="742950" lvl="1" indent="-285750">
+              <a:lnSpc>
+                <a:spcPct val="150000"/>
+              </a:lnSpc>
+              <a:buFont typeface="Arial" panose="020B0604020202020204" pitchFamily="34" charset="0"/>
+              <a:buChar char="•"/>
+            </a:pPr>
+            <a:r>
+              <a:rPr lang="fr-CH" dirty="0"/>
+              <a:t>Récupérer le drone pour tester</a:t>
+            </a:r>
+          </a:p>
+          <a:p>
+            <a:pPr marL="742950" lvl="1" indent="-285750">
+              <a:lnSpc>
+                <a:spcPct val="150000"/>
+              </a:lnSpc>
+              <a:buFont typeface="Arial" panose="020B0604020202020204" pitchFamily="34" charset="0"/>
+              <a:buChar char="•"/>
+            </a:pPr>
+            <a:r>
+              <a:rPr lang="fr-CH" dirty="0"/>
+              <a:t>Faire le rapport</a:t>
+            </a:r>
+          </a:p>
+          <a:p>
+            <a:pPr marL="742950" lvl="1" indent="-285750">
+              <a:lnSpc>
+                <a:spcPct val="150000"/>
+              </a:lnSpc>
+              <a:buFont typeface="Arial" panose="020B0604020202020204" pitchFamily="34" charset="0"/>
+              <a:buChar char="•"/>
+            </a:pPr>
+            <a:endParaRPr lang="fr-CH" dirty="0"/>
+          </a:p>
+        </p:txBody>
+      </p:sp>
+      <p:sp>
+        <p:nvSpPr>
+          <p:cNvPr id="5" name="Rectangle 4">
+            <a:extLst>
+              <a:ext uri="{FF2B5EF4-FFF2-40B4-BE49-F238E27FC236}">
+                <a16:creationId xmlns:a16="http://schemas.microsoft.com/office/drawing/2014/main" id="{ABE21A8C-ABFB-4B3F-B4C7-BF279158FBB5}"/>
+              </a:ext>
+            </a:extLst>
+          </p:cNvPr>
+          <p:cNvSpPr/>
+          <p:nvPr/>
+        </p:nvSpPr>
+        <p:spPr>
+          <a:xfrm>
+            <a:off x="11493329" y="6173965"/>
+            <a:ext cx="418704" cy="369332"/>
+          </a:xfrm>
+          <a:prstGeom prst="rect">
+            <a:avLst/>
+          </a:prstGeom>
+        </p:spPr>
+        <p:txBody>
+          <a:bodyPr wrap="none">
+            <a:spAutoFit/>
+          </a:bodyPr>
+          <a:lstStyle/>
+          <a:p>
+            <a:r>
+              <a:rPr lang="fr-CH" dirty="0"/>
+              <a:t>11</a:t>
+            </a:r>
+          </a:p>
+        </p:txBody>
+      </p:sp>
+    </p:spTree>
+    <p:extLst>
+      <p:ext uri="{BB962C8B-B14F-4D97-AF65-F5344CB8AC3E}">
+        <p14:creationId xmlns:p14="http://schemas.microsoft.com/office/powerpoint/2010/main" val="3340807720"/>
+      </p:ext>
+    </p:extLst>
+  </p:cSld>
+  <p:clrMapOvr>
+    <a:masterClrMapping/>
+  </p:clrMapOvr>
+</p:sld>
+</file>
+
+<file path=ppt/slides/slide12.xml><?xml version="1.0" encoding="utf-8"?>
+<p:sld xmlns:a="http://schemas.openxmlformats.org/drawingml/2006/main" xmlns:r="http://schemas.openxmlformats.org/officeDocument/2006/relationships" xmlns:p="http://schemas.openxmlformats.org/presentationml/2006/main">
+  <p:cSld>
+    <p:spTree>
+      <p:nvGrpSpPr>
+        <p:cNvPr id="1" name=""/>
+        <p:cNvGrpSpPr/>
+        <p:nvPr/>
+      </p:nvGrpSpPr>
+      <p:grpSpPr>
+        <a:xfrm>
+          <a:off x="0" y="0"/>
+          <a:ext cx="0" cy="0"/>
+          <a:chOff x="0" y="0"/>
+          <a:chExt cx="0" cy="0"/>
+        </a:xfrm>
+      </p:grpSpPr>
+      <p:sp>
+        <p:nvSpPr>
+          <p:cNvPr id="11" name="Rectangle 10">
+            <a:extLst>
+              <a:ext uri="{FF2B5EF4-FFF2-40B4-BE49-F238E27FC236}">
+                <a16:creationId xmlns:a16="http://schemas.microsoft.com/office/drawing/2014/main" id="{0FB0B67E-0F3C-4C66-A7DE-6E4B0D5DAFCF}"/>
+              </a:ext>
+            </a:extLst>
+          </p:cNvPr>
+          <p:cNvSpPr/>
+          <p:nvPr/>
+        </p:nvSpPr>
+        <p:spPr>
+          <a:xfrm>
+            <a:off x="11493329" y="6173965"/>
+            <a:ext cx="418704" cy="369332"/>
+          </a:xfrm>
+          <a:prstGeom prst="rect">
+            <a:avLst/>
+          </a:prstGeom>
+        </p:spPr>
+        <p:txBody>
+          <a:bodyPr wrap="none">
+            <a:spAutoFit/>
+          </a:bodyPr>
+          <a:lstStyle/>
+          <a:p>
+            <a:r>
+              <a:rPr lang="fr-CH" dirty="0"/>
+              <a:t>12</a:t>
             </a:r>
           </a:p>
         </p:txBody>
@@ -5213,7 +5824,7 @@
         <p:spPr>
           <a:xfrm>
             <a:off x="4729210" y="3902545"/>
-            <a:ext cx="1353470" cy="1200329"/>
+            <a:ext cx="1353470" cy="1384995"/>
           </a:xfrm>
           <a:prstGeom prst="rect">
             <a:avLst/>
@@ -5232,48 +5843,80 @@
             </a:pPr>
             <a:r>
               <a:rPr lang="fr-CH" sz="1200" dirty="0"/>
-              <a:t>Reprises et modifications de certaines parties de l’ancien projet</a:t>
-            </a:r>
-          </a:p>
-          <a:p>
-            <a:endParaRPr lang="fr-CH" sz="1200" dirty="0"/>
-          </a:p>
-        </p:txBody>
-      </p:sp>
-      <p:sp>
-        <p:nvSpPr>
-          <p:cNvPr id="40" name="ZoneTexte 39">
-            <a:extLst>
-              <a:ext uri="{FF2B5EF4-FFF2-40B4-BE49-F238E27FC236}">
-                <a16:creationId xmlns:a16="http://schemas.microsoft.com/office/drawing/2014/main" id="{9FF68BC9-B11A-466B-AAB8-17DDDB1612B0}"/>
-              </a:ext>
-            </a:extLst>
-          </p:cNvPr>
-          <p:cNvSpPr txBox="1"/>
-          <p:nvPr/>
-        </p:nvSpPr>
-        <p:spPr>
-          <a:xfrm>
-            <a:off x="4704983" y="5669227"/>
-            <a:ext cx="1401923" cy="461665"/>
-          </a:xfrm>
-          <a:prstGeom prst="rect">
-            <a:avLst/>
-          </a:prstGeom>
-          <a:noFill/>
-        </p:spPr>
-        <p:txBody>
-          <a:bodyPr wrap="square" rtlCol="0">
-            <a:spAutoFit/>
-          </a:bodyPr>
-          <a:lstStyle/>
+              <a:t>Modification ancien projet</a:t>
+            </a:r>
+          </a:p>
           <a:p>
             <a:pPr marL="285750" indent="-285750">
               <a:buFont typeface="Arial" panose="020B0604020202020204" pitchFamily="34" charset="0"/>
               <a:buChar char="•"/>
             </a:pPr>
             <a:r>
-              <a:rPr lang="fr-CH" sz="1200" dirty="0"/>
+              <a:rPr lang="fr-CH" sz="1200" dirty="0">
+                <a:solidFill>
+                  <a:srgbClr val="00B050"/>
+                </a:solidFill>
+              </a:rPr>
+              <a:t>Sauvegarde de fichier</a:t>
+            </a:r>
+          </a:p>
+          <a:p>
+            <a:pPr marL="285750" indent="-285750">
+              <a:buFont typeface="Arial" panose="020B0604020202020204" pitchFamily="34" charset="0"/>
+              <a:buChar char="•"/>
+            </a:pPr>
+            <a:r>
+              <a:rPr lang="fr-CH" sz="1200" dirty="0">
+                <a:solidFill>
+                  <a:srgbClr val="00B050"/>
+                </a:solidFill>
+              </a:rPr>
+              <a:t>Gestionnaire de plan de vol</a:t>
+            </a:r>
+          </a:p>
+          <a:p>
+            <a:endParaRPr lang="fr-CH" sz="1200" dirty="0"/>
+          </a:p>
+        </p:txBody>
+      </p:sp>
+      <p:sp>
+        <p:nvSpPr>
+          <p:cNvPr id="40" name="ZoneTexte 39">
+            <a:extLst>
+              <a:ext uri="{FF2B5EF4-FFF2-40B4-BE49-F238E27FC236}">
+                <a16:creationId xmlns:a16="http://schemas.microsoft.com/office/drawing/2014/main" id="{9FF68BC9-B11A-466B-AAB8-17DDDB1612B0}"/>
+              </a:ext>
+            </a:extLst>
+          </p:cNvPr>
+          <p:cNvSpPr txBox="1"/>
+          <p:nvPr/>
+        </p:nvSpPr>
+        <p:spPr>
+          <a:xfrm>
+            <a:off x="4704983" y="5669227"/>
+            <a:ext cx="1401923" cy="461665"/>
+          </a:xfrm>
+          <a:prstGeom prst="rect">
+            <a:avLst/>
+          </a:prstGeom>
+          <a:noFill/>
+        </p:spPr>
+        <p:txBody>
+          <a:bodyPr wrap="square" rtlCol="0">
+            <a:spAutoFit/>
+          </a:bodyPr>
+          <a:lstStyle/>
+          <a:p>
+            <a:pPr marL="285750" indent="-285750">
+              <a:buFont typeface="Arial" panose="020B0604020202020204" pitchFamily="34" charset="0"/>
+              <a:buChar char="•"/>
+            </a:pPr>
+            <a:r>
+              <a:rPr lang="fr-CH" sz="1200" dirty="0">
+                <a:solidFill>
+                  <a:srgbClr val="FF0000"/>
+                </a:solidFill>
+              </a:rPr>
               <a:t>Test des modifications </a:t>
             </a:r>
           </a:p>
@@ -5645,10 +6288,18 @@
               <a:buChar char="•"/>
             </a:pPr>
             <a:r>
-              <a:rPr lang="fr-CH" sz="1400" dirty="0" err="1"/>
+              <a:rPr lang="fr-CH" sz="1400" dirty="0" err="1">
+                <a:solidFill>
+                  <a:srgbClr val="FF0000"/>
+                </a:solidFill>
+              </a:rPr>
               <a:t>SceneKit</a:t>
             </a:r>
-            <a:endParaRPr lang="fr-CH" sz="1400" dirty="0"/>
+            <a:endParaRPr lang="fr-CH" sz="1400" dirty="0">
+              <a:solidFill>
+                <a:srgbClr val="FF0000"/>
+              </a:solidFill>
+            </a:endParaRPr>
           </a:p>
         </p:txBody>
       </p:sp>
@@ -5711,7 +6362,7 @@
           <a:p>
             <a:r>
               <a:rPr lang="fr-CH" dirty="0"/>
-              <a:t>3</a:t>
+              <a:t>2</a:t>
             </a:r>
           </a:p>
         </p:txBody>
@@ -5891,7 +6542,7 @@
           <a:p>
             <a:r>
               <a:rPr lang="fr-CH" dirty="0"/>
-              <a:t>4</a:t>
+              <a:t>3</a:t>
             </a:r>
           </a:p>
         </p:txBody>
@@ -7434,7 +8085,7 @@
           <a:p>
             <a:r>
               <a:rPr lang="fr-CH" dirty="0"/>
-              <a:t>5</a:t>
+              <a:t>6</a:t>
             </a:r>
           </a:p>
         </p:txBody>
@@ -8662,7 +9313,7 @@
           <a:p>
             <a:r>
               <a:rPr lang="fr-CH" dirty="0"/>
-              <a:t>5</a:t>
+              <a:t>7</a:t>
             </a:r>
           </a:p>
         </p:txBody>
@@ -8772,7 +9423,7 @@
         </p:nvSpPr>
         <p:spPr>
           <a:xfrm>
-            <a:off x="485516" y="1427661"/>
+            <a:off x="485517" y="1420171"/>
             <a:ext cx="1116701" cy="523776"/>
           </a:xfrm>
           <a:prstGeom prst="roundRect">
@@ -8973,7 +9624,7 @@
         </p:nvCxnSpPr>
         <p:spPr>
           <a:xfrm>
-            <a:off x="1602217" y="1689549"/>
+            <a:off x="1602218" y="1682059"/>
             <a:ext cx="1604925" cy="715472"/>
           </a:xfrm>
           <a:prstGeom prst="straightConnector1">
@@ -9882,7 +10533,7 @@
           <a:p>
             <a:r>
               <a:rPr lang="fr-CH" dirty="0"/>
-              <a:t>6</a:t>
+              <a:t>8</a:t>
             </a:r>
           </a:p>
         </p:txBody>
@@ -9992,7 +10643,7 @@
         </p:nvSpPr>
         <p:spPr>
           <a:xfrm>
-            <a:off x="451629" y="1414452"/>
+            <a:off x="451628" y="1413570"/>
             <a:ext cx="1116701" cy="523776"/>
           </a:xfrm>
           <a:prstGeom prst="roundRect">
@@ -10763,10 +11414,10 @@
       </p:sp>
       <p:sp>
         <p:nvSpPr>
-          <p:cNvPr id="39" name="ZoneTexte 38">
-            <a:extLst>
-              <a:ext uri="{FF2B5EF4-FFF2-40B4-BE49-F238E27FC236}">
-                <a16:creationId xmlns:a16="http://schemas.microsoft.com/office/drawing/2014/main" id="{0297435F-6C6F-40BE-91E0-6F764ED3B19B}"/>
+          <p:cNvPr id="4" name="ZoneTexte 3">
+            <a:extLst>
+              <a:ext uri="{FF2B5EF4-FFF2-40B4-BE49-F238E27FC236}">
+                <a16:creationId xmlns:a16="http://schemas.microsoft.com/office/drawing/2014/main" id="{9CAD5B2F-AF84-4FEE-956D-B44DAABECDBB}"/>
               </a:ext>
             </a:extLst>
           </p:cNvPr>
@@ -10775,8 +11426,8 @@
         </p:nvSpPr>
         <p:spPr>
           <a:xfrm>
-            <a:off x="338959" y="4887311"/>
-            <a:ext cx="1998733" cy="369332"/>
+            <a:off x="381663" y="4478564"/>
+            <a:ext cx="1641008" cy="369332"/>
           </a:xfrm>
           <a:prstGeom prst="rect">
             <a:avLst/>
@@ -10790,53 +11441,12 @@
           <a:lstStyle/>
           <a:p>
             <a:r>
-              <a:rPr lang="fr-CH" dirty="0" err="1"/>
-              <a:t>Mavlink_file</a:t>
-            </a:r>
-            <a:endParaRPr lang="fr-CH" dirty="0"/>
-          </a:p>
-        </p:txBody>
-      </p:sp>
-      <p:cxnSp>
-        <p:nvCxnSpPr>
-          <p:cNvPr id="41" name="Connecteur droit avec flèche 40">
-            <a:extLst>
-              <a:ext uri="{FF2B5EF4-FFF2-40B4-BE49-F238E27FC236}">
-                <a16:creationId xmlns:a16="http://schemas.microsoft.com/office/drawing/2014/main" id="{B5A1B136-A790-4528-AC5F-1F52943125FC}"/>
-              </a:ext>
-            </a:extLst>
-          </p:cNvPr>
-          <p:cNvCxnSpPr/>
-          <p:nvPr/>
-        </p:nvCxnSpPr>
-        <p:spPr>
-          <a:xfrm flipV="1">
-            <a:off x="1568330" y="3232696"/>
-            <a:ext cx="1638812" cy="1757090"/>
-          </a:xfrm>
-          <a:prstGeom prst="straightConnector1">
-            <a:avLst/>
-          </a:prstGeom>
-          <a:ln>
-            <a:headEnd type="triangle"/>
-            <a:tailEnd type="triangle"/>
-          </a:ln>
-        </p:spPr>
-        <p:style>
-          <a:lnRef idx="3">
-            <a:schemeClr val="dk1"/>
-          </a:lnRef>
-          <a:fillRef idx="0">
-            <a:schemeClr val="dk1"/>
-          </a:fillRef>
-          <a:effectRef idx="2">
-            <a:schemeClr val="dk1"/>
-          </a:effectRef>
-          <a:fontRef idx="minor">
-            <a:schemeClr val="tx1"/>
-          </a:fontRef>
-        </p:style>
-      </p:cxnSp>
+              <a:rPr lang="fr-CH" dirty="0"/>
+              <a:t>Un fichier CSV</a:t>
+            </a:r>
+          </a:p>
+        </p:txBody>
+      </p:sp>
     </p:spTree>
     <p:extLst>
       <p:ext uri="{BB962C8B-B14F-4D97-AF65-F5344CB8AC3E}">
@@ -10896,7 +11506,7 @@
           <a:p>
             <a:r>
               <a:rPr lang="fr-CH" dirty="0"/>
-              <a:t>7</a:t>
+              <a:t>9</a:t>
             </a:r>
           </a:p>
         </p:txBody>
@@ -11006,7 +11616,7 @@
         </p:nvSpPr>
         <p:spPr>
           <a:xfrm>
-            <a:off x="485516" y="1427661"/>
+            <a:off x="464953" y="1427660"/>
             <a:ext cx="1116701" cy="523776"/>
           </a:xfrm>
           <a:prstGeom prst="roundRect">
@@ -11247,8 +11857,8 @@
         </p:nvSpPr>
         <p:spPr>
           <a:xfrm>
-            <a:off x="3341864" y="3833962"/>
-            <a:ext cx="1258591" cy="2340003"/>
+            <a:off x="3341864" y="4953663"/>
+            <a:ext cx="1258591" cy="1220302"/>
           </a:xfrm>
           <a:prstGeom prst="roundRect">
             <a:avLst/>
@@ -11301,8 +11911,8 @@
         </p:nvSpPr>
         <p:spPr>
           <a:xfrm>
-            <a:off x="3341864" y="1353146"/>
-            <a:ext cx="1258591" cy="2340003"/>
+            <a:off x="3376297" y="3609892"/>
+            <a:ext cx="1258591" cy="1135133"/>
           </a:xfrm>
           <a:prstGeom prst="roundRect">
             <a:avLst/>
@@ -11355,8 +11965,8 @@
         </p:nvSpPr>
         <p:spPr>
           <a:xfrm>
-            <a:off x="4770047" y="1353145"/>
-            <a:ext cx="1258591" cy="2340003"/>
+            <a:off x="4770483" y="3609892"/>
+            <a:ext cx="1258591" cy="1135133"/>
           </a:xfrm>
           <a:prstGeom prst="roundRect">
             <a:avLst/>
@@ -11407,8 +12017,8 @@
         </p:nvSpPr>
         <p:spPr>
           <a:xfrm>
-            <a:off x="6198230" y="1353145"/>
-            <a:ext cx="1258591" cy="2340003"/>
+            <a:off x="6198229" y="3609892"/>
+            <a:ext cx="1258591" cy="1135133"/>
           </a:xfrm>
           <a:prstGeom prst="roundRect">
             <a:avLst/>
@@ -11459,8 +12069,8 @@
         </p:nvSpPr>
         <p:spPr>
           <a:xfrm>
-            <a:off x="7626413" y="1353145"/>
-            <a:ext cx="1258591" cy="2340003"/>
+            <a:off x="7591542" y="3609892"/>
+            <a:ext cx="1258591" cy="1135133"/>
           </a:xfrm>
           <a:prstGeom prst="roundRect">
             <a:avLst/>
@@ -11511,8 +12121,8 @@
         </p:nvSpPr>
         <p:spPr>
           <a:xfrm>
-            <a:off x="4770483" y="3833962"/>
-            <a:ext cx="1258591" cy="2340003"/>
+            <a:off x="4770483" y="4953663"/>
+            <a:ext cx="1258591" cy="1220302"/>
           </a:xfrm>
           <a:prstGeom prst="roundRect">
             <a:avLst/>
@@ -11563,8 +12173,8 @@
         </p:nvSpPr>
         <p:spPr>
           <a:xfrm>
-            <a:off x="6198229" y="3833962"/>
-            <a:ext cx="1258591" cy="2340003"/>
+            <a:off x="6198229" y="4953663"/>
+            <a:ext cx="1258591" cy="1220302"/>
           </a:xfrm>
           <a:prstGeom prst="roundRect">
             <a:avLst/>
@@ -11615,8 +12225,8 @@
         </p:nvSpPr>
         <p:spPr>
           <a:xfrm>
-            <a:off x="7626413" y="3852613"/>
-            <a:ext cx="1258591" cy="2340003"/>
+            <a:off x="7626413" y="4953663"/>
+            <a:ext cx="1258591" cy="1238953"/>
           </a:xfrm>
           <a:prstGeom prst="roundRect">
             <a:avLst/>
@@ -11653,6 +12263,42 @@
           </a:p>
         </p:txBody>
       </p:sp>
+      <p:pic>
+        <p:nvPicPr>
+          <p:cNvPr id="5" name="Image 4" descr="Une image contenant extérieur, herbe, montagne, colline&#10;&#10;Description générée automatiquement">
+            <a:extLst>
+              <a:ext uri="{FF2B5EF4-FFF2-40B4-BE49-F238E27FC236}">
+                <a16:creationId xmlns:a16="http://schemas.microsoft.com/office/drawing/2014/main" id="{D57CFA7F-EFF2-400B-8D06-2BC355CF6206}"/>
+              </a:ext>
+            </a:extLst>
+          </p:cNvPr>
+          <p:cNvPicPr>
+            <a:picLocks noChangeAspect="1"/>
+          </p:cNvPicPr>
+          <p:nvPr/>
+        </p:nvPicPr>
+        <p:blipFill>
+          <a:blip r:embed="rId3">
+            <a:extLst>
+              <a:ext uri="{28A0092B-C50C-407E-A947-70E740481C1C}">
+                <a14:useLocalDpi xmlns:a14="http://schemas.microsoft.com/office/drawing/2010/main" val="0"/>
+              </a:ext>
+            </a:extLst>
+          </a:blip>
+          <a:stretch>
+            <a:fillRect/>
+          </a:stretch>
+        </p:blipFill>
+        <p:spPr>
+          <a:xfrm>
+            <a:off x="3376297" y="1436222"/>
+            <a:ext cx="5473836" cy="2067602"/>
+          </a:xfrm>
+          <a:prstGeom prst="rect">
+            <a:avLst/>
+          </a:prstGeom>
+        </p:spPr>
+      </p:pic>
     </p:spTree>
     <p:extLst>
       <p:ext uri="{BB962C8B-B14F-4D97-AF65-F5344CB8AC3E}">
